--- a/training-cards/agile moves/Writing (WRI)/ger/apprentice/ger_wri_04_was_gehoert_in_den_text_AM_A.pptx
+++ b/training-cards/agile moves/Writing (WRI)/ger/apprentice/ger_wri_04_was_gehoert_in_den_text_AM_A.pptx
@@ -3845,7 +3845,7 @@
         <p:spPr/>
         <p:txBody>
           <a:bodyPr>
-            <a:normAutofit/>
+            <a:normAutofit fontScale="92500"/>
           </a:bodyPr>
           <a:lstStyle/>
           <a:p>
@@ -3854,15 +3854,29 @@
                 <a:spcPts val="1500"/>
               </a:lnSpc>
               <a:spcBef>
-                <a:spcPts val="600"/>
+                <a:spcPts val="700"/>
               </a:spcBef>
             </a:pPr>
             <a:r>
-              <a:rPr lang="de-DE" sz="1050" dirty="0" smtClean="0">
+              <a:rPr lang="de-DE" sz="1300" dirty="0" smtClean="0">
                 <a:latin typeface="Avenir Light"/>
                 <a:cs typeface="Avenir Light"/>
               </a:rPr>
-              <a:t>Nachdem Du die Kernaussage Deines Textes gefunden hast (siehe Trainingskarte WIR 03 „Komm auf den Punkt“), schreibe alle Aspekte auf, die für die Erklärung dieser Aussage wichtig sind.</a:t>
+              <a:t>Nachdem Du das Fundament Deines </a:t>
+            </a:r>
+            <a:r>
+              <a:rPr lang="de-DE" sz="1300" dirty="0">
+                <a:latin typeface="Avenir Light"/>
+                <a:cs typeface="Avenir Light"/>
+              </a:rPr>
+              <a:t>T</a:t>
+            </a:r>
+            <a:r>
+              <a:rPr lang="de-DE" sz="1300" dirty="0" smtClean="0">
+                <a:latin typeface="Avenir Light"/>
+                <a:cs typeface="Avenir Light"/>
+              </a:rPr>
+              <a:t>extes, die Kernaussage, gefunden hast (siehe Trainingskarte WRI 03 „Komm auf den Punkt“), kannst Du beginnen, sein Gerüst zu erstellen, dass aus allen Deinen Ideen und Gedanken zu Deinem Text besteht.</a:t>
             </a:r>
           </a:p>
           <a:p>
@@ -3871,15 +3885,15 @@
                 <a:spcPts val="1500"/>
               </a:lnSpc>
               <a:spcBef>
-                <a:spcPts val="600"/>
+                <a:spcPts val="700"/>
               </a:spcBef>
             </a:pPr>
             <a:r>
-              <a:rPr lang="de-DE" sz="1050" dirty="0" smtClean="0">
+              <a:rPr lang="de-DE" sz="1300" dirty="0" smtClean="0">
                 <a:latin typeface="Avenir Light"/>
                 <a:cs typeface="Avenir Light"/>
               </a:rPr>
-              <a:t>Jeder Aspekt trägt etwas Eigenes zu Deinem Text bei. Versuche deshalb, jeden Aspekt so aufzuschreiben, dass seine spezifische Aussage klar wird.</a:t>
+              <a:t>Schreibe dazu alle Aspekte auf, die für die Erklärung der Kernaussage wichtig sind. Jeder Aspekt trägt etwas Eigenes zu Deinem Text bei. Versuche deshalb, jeden Aspekt so aufzuschreiben, dass seine spezifische Aussage klar wird.</a:t>
             </a:r>
           </a:p>
           <a:p>
@@ -3888,15 +3902,29 @@
                 <a:spcPts val="1500"/>
               </a:lnSpc>
               <a:spcBef>
-                <a:spcPts val="600"/>
+                <a:spcPts val="700"/>
               </a:spcBef>
             </a:pPr>
             <a:r>
-              <a:rPr lang="de-DE" sz="1050" dirty="0" smtClean="0">
+              <a:rPr lang="de-DE" sz="1300" dirty="0" smtClean="0">
                 <a:latin typeface="Avenir Light"/>
                 <a:cs typeface="Avenir Light"/>
               </a:rPr>
-              <a:t>Schreibe die Aspekte so auf, dass ein Außenstehender sie auch verstehen kann. </a:t>
+              <a:t>Bringe Deine Aspekte dann in einen sinnvollen Zusammenhang. Schau dabei, was für Dich am besten passt: Sortiere beispielsweise </a:t>
+            </a:r>
+            <a:r>
+              <a:rPr lang="de-DE" sz="1300" dirty="0">
+                <a:latin typeface="Avenir Light"/>
+                <a:cs typeface="Avenir Light"/>
+              </a:rPr>
+              <a:t>aufeinander folgende </a:t>
+            </a:r>
+            <a:r>
+              <a:rPr lang="de-DE" sz="1300" dirty="0" smtClean="0">
+                <a:latin typeface="Avenir Light"/>
+                <a:cs typeface="Avenir Light"/>
+              </a:rPr>
+              <a:t>Kernaussagen in einer Punktliste, mache einen kurzen Prosatext daraus oder nummeriere sie.</a:t>
             </a:r>
           </a:p>
           <a:p>
@@ -3905,36 +3933,15 @@
                 <a:spcPts val="1500"/>
               </a:lnSpc>
               <a:spcBef>
-                <a:spcPts val="600"/>
+                <a:spcPts val="700"/>
               </a:spcBef>
             </a:pPr>
             <a:r>
-              <a:rPr lang="de-DE" sz="1050" dirty="0">
+              <a:rPr lang="de-DE" sz="1300" dirty="0" smtClean="0">
                 <a:latin typeface="Avenir Light"/>
                 <a:cs typeface="Avenir Light"/>
               </a:rPr>
-              <a:t>B</a:t>
-            </a:r>
-            <a:r>
-              <a:rPr lang="de-DE" sz="1050" dirty="0" smtClean="0">
-                <a:latin typeface="Avenir Light"/>
-                <a:cs typeface="Avenir Light"/>
-              </a:rPr>
-              <a:t>ringe Deine Aspekte dann in einen sinnvollen Zusammenhang. Schau dabei, was für Dich am besten passt: Sortiere beispielsweise </a:t>
-            </a:r>
-            <a:r>
-              <a:rPr lang="de-DE" sz="1050" dirty="0">
-                <a:latin typeface="Avenir Light"/>
-                <a:cs typeface="Avenir Light"/>
-              </a:rPr>
-              <a:t>aufeinander folgende </a:t>
-            </a:r>
-            <a:r>
-              <a:rPr lang="de-DE" sz="1050" dirty="0" smtClean="0">
-                <a:latin typeface="Avenir Light"/>
-                <a:cs typeface="Avenir Light"/>
-              </a:rPr>
-              <a:t>Kernaussagen in einer Punktliste, mache einen kurzen Prosatext daraus oder nummeriere sie.</a:t>
+              <a:t>Jeder Deiner Aspekte ist eine wichtige Facette Deines Textes. Schreibe Dir für jeden einzelnen Aspekt auf, welche Gedanken oder Sätze Dir dazu einfallen.</a:t>
             </a:r>
           </a:p>
           <a:p>
@@ -3943,16 +3950,62 @@
                 <a:spcPts val="1500"/>
               </a:lnSpc>
               <a:spcBef>
-                <a:spcPts val="600"/>
+                <a:spcPts val="700"/>
               </a:spcBef>
             </a:pPr>
             <a:r>
-              <a:rPr lang="de-DE" sz="1050" dirty="0" smtClean="0">
+              <a:rPr lang="de-DE" sz="1300" dirty="0" smtClean="0">
                 <a:latin typeface="Avenir Light"/>
                 <a:cs typeface="Avenir Light"/>
               </a:rPr>
-              <a:t>Jeder Deiner Aspekte ist eine wichtige Facette Deines Textes. Schreibe Dir für jeden Aspekt auf, welche Gedanken oder Sätze Dir dazu einfallen.</a:t>
-            </a:r>
+              <a:t>Wenn </a:t>
+            </a:r>
+            <a:r>
+              <a:rPr lang="de-DE" sz="1300" dirty="0">
+                <a:latin typeface="Avenir Light"/>
+                <a:cs typeface="Avenir Light"/>
+              </a:rPr>
+              <a:t>Du einen </a:t>
+            </a:r>
+            <a:r>
+              <a:rPr lang="de-DE" sz="1300" dirty="0" smtClean="0">
+                <a:latin typeface="Avenir Light"/>
+                <a:cs typeface="Avenir Light"/>
+              </a:rPr>
+              <a:t>langen Text schreibst </a:t>
+            </a:r>
+            <a:r>
+              <a:rPr lang="de-DE" sz="1300" dirty="0">
+                <a:latin typeface="Avenir Light"/>
+                <a:cs typeface="Avenir Light"/>
+              </a:rPr>
+              <a:t>(&gt; 500 </a:t>
+            </a:r>
+            <a:r>
+              <a:rPr lang="de-DE" sz="1300" dirty="0" smtClean="0">
+                <a:latin typeface="Avenir Light"/>
+                <a:cs typeface="Avenir Light"/>
+              </a:rPr>
+              <a:t>Zeichen), kann es sinnvoll sein, diese Gliederung in eine Grob- und eine Feingliederung aufzuteilen und wie zwei getrennte Trainingskarten in zwei Durchläufen zu bearbeiten:  Die erste Runde beinhaltet, alle Aspekte Deines </a:t>
+            </a:r>
+            <a:r>
+              <a:rPr lang="de-DE" sz="1300" dirty="0">
+                <a:latin typeface="Avenir Light"/>
+                <a:cs typeface="Avenir Light"/>
+              </a:rPr>
+              <a:t>T</a:t>
+            </a:r>
+            <a:r>
+              <a:rPr lang="de-DE" sz="1300" dirty="0" smtClean="0">
+                <a:latin typeface="Avenir Light"/>
+                <a:cs typeface="Avenir Light"/>
+              </a:rPr>
+              <a:t>extes aufzuschreiben und zu sortieren. Die zweite Runde wäre dann, alle Gedanken, die Dir zu einem einzelnen Aspekt einfallen, aufzuschreiben.</a:t>
+            </a:r>
+            <a:endParaRPr lang="de-DE" sz="1300" dirty="0">
+              <a:latin typeface="Avenir Light"/>
+              <a:cs typeface="Avenir Light"/>
+            </a:endParaRPr>
           </a:p>
           <a:p>
             <a:pPr>
@@ -3960,56 +4013,7 @@
                 <a:spcPts val="1500"/>
               </a:lnSpc>
               <a:spcBef>
-                <a:spcPts val="600"/>
-              </a:spcBef>
-            </a:pPr>
-            <a:r>
-              <a:rPr lang="de-DE" sz="1050" dirty="0" smtClean="0">
-                <a:latin typeface="Avenir Light"/>
-                <a:cs typeface="Avenir Light"/>
-              </a:rPr>
-              <a:t>Wenn </a:t>
-            </a:r>
-            <a:r>
-              <a:rPr lang="de-DE" sz="1050" dirty="0">
-                <a:latin typeface="Avenir Light"/>
-                <a:cs typeface="Avenir Light"/>
-              </a:rPr>
-              <a:t>Du einen </a:t>
-            </a:r>
-            <a:r>
-              <a:rPr lang="de-DE" sz="1050" dirty="0" smtClean="0">
-                <a:latin typeface="Avenir Light"/>
-                <a:cs typeface="Avenir Light"/>
-              </a:rPr>
-              <a:t>langen (&gt; 500 Zeichen) Text schreibst, kann es sinnvoll sein, diese Gliederung in eine Grob- und eine Feingliederung aufzuteilen und wie zwei getrennte Trainingskarten in zwei Durchläufen zu bearbeiten:  Die erste Runde beinhaltet, alle Aspekte Deines </a:t>
-            </a:r>
-            <a:r>
-              <a:rPr lang="de-DE" sz="1050" dirty="0">
-                <a:latin typeface="Avenir Light"/>
-                <a:cs typeface="Avenir Light"/>
-              </a:rPr>
-              <a:t>T</a:t>
-            </a:r>
-            <a:r>
-              <a:rPr lang="de-DE" sz="1050" dirty="0" smtClean="0">
-                <a:latin typeface="Avenir Light"/>
-                <a:cs typeface="Avenir Light"/>
-              </a:rPr>
-              <a:t>extes aufzuschreiben und zu sortieren. Die zweite Runde wäre dann, alle Gedanken, die Dir zu einem einzelnen Aspekt einfallen, aufzuschreiben.</a:t>
-            </a:r>
-            <a:endParaRPr lang="de-DE" sz="1050" dirty="0">
-              <a:latin typeface="Avenir Light"/>
-              <a:cs typeface="Avenir Light"/>
-            </a:endParaRPr>
-          </a:p>
-          <a:p>
-            <a:pPr>
-              <a:lnSpc>
-                <a:spcPts val="1500"/>
-              </a:lnSpc>
-              <a:spcBef>
-                <a:spcPts val="600"/>
+                <a:spcPts val="700"/>
               </a:spcBef>
             </a:pPr>
             <a:endParaRPr lang="de-DE" sz="1050" dirty="0">
@@ -4080,8 +4084,13 @@
             </a:r>
             <a:r>
               <a:rPr lang="de-DE" sz="1100" dirty="0" smtClean="0"/>
-              <a:t>ollte.</a:t>
-            </a:r>
+              <a:t>ollte. </a:t>
+            </a:r>
+            <a:r>
+              <a:rPr lang="de-DE" sz="1100" dirty="0"/>
+              <a:t>Schreibe die Aspekte so auf, dass ein Außenstehender sie auch verstehen kann. </a:t>
+            </a:r>
+            <a:endParaRPr lang="de-DE" sz="1100" dirty="0" smtClean="0"/>
           </a:p>
           <a:p>
             <a:r>
@@ -4092,7 +4101,15 @@
           <a:p>
             <a:r>
               <a:rPr lang="de-DE" sz="1100" dirty="0" smtClean="0"/>
-              <a:t>Schreibe Dir zu jedem Aspekt alle Gedanken auf, die Dir dazu einfallen.</a:t>
+              <a:t>Schreibe </a:t>
+            </a:r>
+            <a:r>
+              <a:rPr lang="de-DE" sz="1100" smtClean="0"/>
+              <a:t>Dir nun zu </a:t>
+            </a:r>
+            <a:r>
+              <a:rPr lang="de-DE" sz="1100" dirty="0" smtClean="0"/>
+              <a:t>jedem Aspekt alle Gedanken auf, die Dir dazu einfallen.</a:t>
             </a:r>
           </a:p>
           <a:p>

--- a/training-cards/agile moves/Writing (WRI)/ger/apprentice/ger_wri_04_was_gehoert_in_den_text_AM_A.pptx
+++ b/training-cards/agile moves/Writing (WRI)/ger/apprentice/ger_wri_04_was_gehoert_in_den_text_AM_A.pptx
@@ -3845,7 +3845,7 @@
         <p:spPr/>
         <p:txBody>
           <a:bodyPr>
-            <a:normAutofit fontScale="92500"/>
+            <a:normAutofit/>
           </a:bodyPr>
           <a:lstStyle/>
           <a:p>
@@ -3858,21 +3858,21 @@
               </a:spcBef>
             </a:pPr>
             <a:r>
-              <a:rPr lang="de-DE" sz="1300" dirty="0" smtClean="0">
+              <a:rPr lang="de-DE" sz="1100" dirty="0" smtClean="0">
                 <a:latin typeface="Avenir Light"/>
                 <a:cs typeface="Avenir Light"/>
               </a:rPr>
               <a:t>Nachdem Du das Fundament Deines </a:t>
             </a:r>
             <a:r>
-              <a:rPr lang="de-DE" sz="1300" dirty="0">
+              <a:rPr lang="de-DE" sz="1100" dirty="0">
                 <a:latin typeface="Avenir Light"/>
                 <a:cs typeface="Avenir Light"/>
               </a:rPr>
               <a:t>T</a:t>
             </a:r>
             <a:r>
-              <a:rPr lang="de-DE" sz="1300" dirty="0" smtClean="0">
+              <a:rPr lang="de-DE" sz="1100" dirty="0" smtClean="0">
                 <a:latin typeface="Avenir Light"/>
                 <a:cs typeface="Avenir Light"/>
               </a:rPr>
@@ -3889,7 +3889,7 @@
               </a:spcBef>
             </a:pPr>
             <a:r>
-              <a:rPr lang="de-DE" sz="1300" dirty="0" smtClean="0">
+              <a:rPr lang="de-DE" sz="1100" dirty="0" smtClean="0">
                 <a:latin typeface="Avenir Light"/>
                 <a:cs typeface="Avenir Light"/>
               </a:rPr>
@@ -3906,21 +3906,21 @@
               </a:spcBef>
             </a:pPr>
             <a:r>
-              <a:rPr lang="de-DE" sz="1300" dirty="0" smtClean="0">
+              <a:rPr lang="de-DE" sz="1100" dirty="0" smtClean="0">
                 <a:latin typeface="Avenir Light"/>
                 <a:cs typeface="Avenir Light"/>
               </a:rPr>
               <a:t>Bringe Deine Aspekte dann in einen sinnvollen Zusammenhang. Schau dabei, was für Dich am besten passt: Sortiere beispielsweise </a:t>
             </a:r>
             <a:r>
-              <a:rPr lang="de-DE" sz="1300" dirty="0">
+              <a:rPr lang="de-DE" sz="1100" dirty="0">
                 <a:latin typeface="Avenir Light"/>
                 <a:cs typeface="Avenir Light"/>
               </a:rPr>
               <a:t>aufeinander folgende </a:t>
             </a:r>
             <a:r>
-              <a:rPr lang="de-DE" sz="1300" dirty="0" smtClean="0">
+              <a:rPr lang="de-DE" sz="1100" dirty="0" smtClean="0">
                 <a:latin typeface="Avenir Light"/>
                 <a:cs typeface="Avenir Light"/>
               </a:rPr>
@@ -3937,7 +3937,7 @@
               </a:spcBef>
             </a:pPr>
             <a:r>
-              <a:rPr lang="de-DE" sz="1300" dirty="0" smtClean="0">
+              <a:rPr lang="de-DE" sz="1100" dirty="0" smtClean="0">
                 <a:latin typeface="Avenir Light"/>
                 <a:cs typeface="Avenir Light"/>
               </a:rPr>
@@ -3954,55 +3954,55 @@
               </a:spcBef>
             </a:pPr>
             <a:r>
-              <a:rPr lang="de-DE" sz="1300" dirty="0" smtClean="0">
+              <a:rPr lang="de-DE" sz="1100" dirty="0" smtClean="0">
                 <a:latin typeface="Avenir Light"/>
                 <a:cs typeface="Avenir Light"/>
               </a:rPr>
               <a:t>Wenn </a:t>
             </a:r>
             <a:r>
-              <a:rPr lang="de-DE" sz="1300" dirty="0">
+              <a:rPr lang="de-DE" sz="1100" dirty="0">
                 <a:latin typeface="Avenir Light"/>
                 <a:cs typeface="Avenir Light"/>
               </a:rPr>
               <a:t>Du einen </a:t>
             </a:r>
             <a:r>
-              <a:rPr lang="de-DE" sz="1300" dirty="0" smtClean="0">
+              <a:rPr lang="de-DE" sz="1100" dirty="0" smtClean="0">
                 <a:latin typeface="Avenir Light"/>
                 <a:cs typeface="Avenir Light"/>
               </a:rPr>
               <a:t>langen Text schreibst </a:t>
             </a:r>
             <a:r>
-              <a:rPr lang="de-DE" sz="1300" dirty="0">
+              <a:rPr lang="de-DE" sz="1100" dirty="0">
                 <a:latin typeface="Avenir Light"/>
                 <a:cs typeface="Avenir Light"/>
               </a:rPr>
               <a:t>(&gt; 500 </a:t>
             </a:r>
             <a:r>
-              <a:rPr lang="de-DE" sz="1300" dirty="0" smtClean="0">
+              <a:rPr lang="de-DE" sz="1100" dirty="0" smtClean="0">
                 <a:latin typeface="Avenir Light"/>
                 <a:cs typeface="Avenir Light"/>
               </a:rPr>
               <a:t>Zeichen), kann es sinnvoll sein, diese Gliederung in eine Grob- und eine Feingliederung aufzuteilen und wie zwei getrennte Trainingskarten in zwei Durchläufen zu bearbeiten:  Die erste Runde beinhaltet, alle Aspekte Deines </a:t>
             </a:r>
             <a:r>
-              <a:rPr lang="de-DE" sz="1300" dirty="0">
+              <a:rPr lang="de-DE" sz="1100" dirty="0">
                 <a:latin typeface="Avenir Light"/>
                 <a:cs typeface="Avenir Light"/>
               </a:rPr>
               <a:t>T</a:t>
             </a:r>
             <a:r>
-              <a:rPr lang="de-DE" sz="1300" dirty="0" smtClean="0">
+              <a:rPr lang="de-DE" sz="1100" dirty="0" smtClean="0">
                 <a:latin typeface="Avenir Light"/>
                 <a:cs typeface="Avenir Light"/>
               </a:rPr>
               <a:t>extes aufzuschreiben und zu sortieren. Die zweite Runde wäre dann, alle Gedanken, die Dir zu einem einzelnen Aspekt einfallen, aufzuschreiben.</a:t>
             </a:r>
-            <a:endParaRPr lang="de-DE" sz="1300" dirty="0">
+            <a:endParaRPr lang="de-DE" sz="1100" dirty="0">
               <a:latin typeface="Avenir Light"/>
               <a:cs typeface="Avenir Light"/>
             </a:endParaRPr>
@@ -4016,7 +4016,7 @@
                 <a:spcPts val="700"/>
               </a:spcBef>
             </a:pPr>
-            <a:endParaRPr lang="de-DE" sz="1050" dirty="0">
+            <a:endParaRPr lang="de-DE" sz="900" dirty="0">
               <a:latin typeface="Avenir Light"/>
               <a:cs typeface="Avenir Light"/>
             </a:endParaRPr>
@@ -4101,15 +4101,7 @@
           <a:p>
             <a:r>
               <a:rPr lang="de-DE" sz="1100" dirty="0" smtClean="0"/>
-              <a:t>Schreibe </a:t>
-            </a:r>
-            <a:r>
-              <a:rPr lang="de-DE" sz="1100" smtClean="0"/>
-              <a:t>Dir nun zu </a:t>
-            </a:r>
-            <a:r>
-              <a:rPr lang="de-DE" sz="1100" dirty="0" smtClean="0"/>
-              <a:t>jedem Aspekt alle Gedanken auf, die Dir dazu einfallen.</a:t>
+              <a:t>Schreibe Dir nun zu jedem Aspekt alle Gedanken auf, die Dir dazu einfallen.</a:t>
             </a:r>
           </a:p>
           <a:p>

--- a/training-cards/agile moves/Writing (WRI)/ger/apprentice/ger_wri_04_was_gehoert_in_den_text_AM_A.pptx
+++ b/training-cards/agile moves/Writing (WRI)/ger/apprentice/ger_wri_04_was_gehoert_in_den_text_AM_A.pptx
@@ -1,6 +1,6 @@
 
 <file path=ppt/presentation.xml><?xml version="1.0" encoding="utf-8"?>
-<p:presentation xmlns:a="http://schemas.openxmlformats.org/drawingml/2006/main" xmlns:r="http://schemas.openxmlformats.org/officeDocument/2006/relationships" xmlns:p="http://schemas.openxmlformats.org/presentationml/2006/main">
+<p:presentation xmlns:a="http://schemas.openxmlformats.org/drawingml/2006/main" xmlns:r="http://schemas.openxmlformats.org/officeDocument/2006/relationships" xmlns:p="http://schemas.openxmlformats.org/presentationml/2006/main" saveSubsetFonts="1">
   <p:sldMasterIdLst>
     <p:sldMasterId id="2147483648" r:id="rId1"/>
   </p:sldMasterIdLst>
@@ -87,6 +87,22 @@
       </a:defRPr>
     </a:lvl9pPr>
   </p:defaultTextStyle>
+  <p:extLst>
+    <p:ext uri="{EFAFB233-063F-42B5-8137-9DF3F51BA10A}">
+      <p15:sldGuideLst xmlns:p15="http://schemas.microsoft.com/office/powerpoint/2012/main">
+        <p15:guide id="1" orient="horz" pos="1676">
+          <p15:clr>
+            <a:srgbClr val="A4A3A4"/>
+          </p15:clr>
+        </p15:guide>
+        <p15:guide id="2" pos="2380">
+          <p15:clr>
+            <a:srgbClr val="A4A3A4"/>
+          </p15:clr>
+        </p15:guide>
+      </p15:sldGuideLst>
+    </p:ext>
+  </p:extLst>
 </p:presentation>
 </file>
 
@@ -466,7 +482,7 @@
   <p:clrMapOvr>
     <a:masterClrMapping/>
   </p:clrMapOvr>
-  <p:transition xmlns:p14="http://schemas.microsoft.com/office/powerpoint/2010/main" spd="med"/>
+  <p:transition spd="med"/>
 </p:sldLayout>
 </file>
 
@@ -1128,7 +1144,7 @@
                 <a:latin typeface="Avenir Light"/>
                 <a:cs typeface="Avenir Light"/>
               </a:rPr>
-              <a:t>26.10.15</a:t>
+              <a:t>03.12.15</a:t>
             </a:fld>
             <a:endParaRPr lang="de-DE" sz="600" dirty="0">
               <a:solidFill>
@@ -1193,26 +1209,7 @@
                 <a:cs typeface="Avenir Light"/>
                 <a:sym typeface="Calibri"/>
               </a:rPr>
-              <a:t>To view a copy of this license, visit </a:t>
-            </a:r>
-            <a:r>
-              <a:rPr sz="600" dirty="0">
-                <a:latin typeface="Avenir Light"/>
-                <a:ea typeface="Calibri"/>
-                <a:cs typeface="Avenir Light"/>
-                <a:sym typeface="Calibri"/>
-                <a:hlinkClick r:id="rId4"/>
-              </a:rPr>
-              <a:t>http://creativecommons.org/licenses/by-nc-nd/4.0/</a:t>
-            </a:r>
-            <a:r>
-              <a:rPr sz="600" dirty="0">
-                <a:latin typeface="Avenir Light"/>
-                <a:ea typeface="Calibri"/>
-                <a:cs typeface="Avenir Light"/>
-                <a:sym typeface="Calibri"/>
-              </a:rPr>
-              <a:t>.</a:t>
+              <a:t>To view a copy of this license, visit http://creativecommons.org/licenses/by-nc-nd/4.0/.</a:t>
             </a:r>
           </a:p>
         </p:txBody>
@@ -1224,7 +1221,7 @@
           <p:nvPr userDrawn="1"/>
         </p:nvPicPr>
         <p:blipFill>
-          <a:blip r:embed="rId5">
+          <a:blip r:embed="rId4">
             <a:extLst/>
           </a:blip>
           <a:stretch>
@@ -1249,7 +1246,7 @@
   <p:clrMapOvr>
     <a:masterClrMapping/>
   </p:clrMapOvr>
-  <p:transition xmlns:p14="http://schemas.microsoft.com/office/powerpoint/2010/main" spd="med"/>
+  <p:transition spd="med"/>
 </p:sldLayout>
 </file>
 
@@ -1896,7 +1893,7 @@
                 <a:latin typeface="Avenir Light"/>
                 <a:cs typeface="Avenir Light"/>
               </a:rPr>
-              <a:t>26.10.15</a:t>
+              <a:t>03.12.15</a:t>
             </a:fld>
             <a:endParaRPr lang="de-DE" sz="600" dirty="0">
               <a:solidFill>
@@ -1908,9 +1905,36 @@
           </a:p>
         </p:txBody>
       </p:sp>
+      <p:pic>
+        <p:nvPicPr>
+          <p:cNvPr id="12" name="pasted-image.tif"/>
+          <p:cNvPicPr/>
+          <p:nvPr userDrawn="1"/>
+        </p:nvPicPr>
+        <p:blipFill>
+          <a:blip r:embed="rId4">
+            <a:extLst/>
+          </a:blip>
+          <a:stretch>
+            <a:fillRect/>
+          </a:stretch>
+        </p:blipFill>
+        <p:spPr>
+          <a:xfrm>
+            <a:off x="6174185" y="4992838"/>
+            <a:ext cx="886619" cy="214128"/>
+          </a:xfrm>
+          <a:prstGeom prst="rect">
+            <a:avLst/>
+          </a:prstGeom>
+          <a:ln w="12700">
+            <a:miter lim="400000"/>
+          </a:ln>
+        </p:spPr>
+      </p:pic>
       <p:sp>
         <p:nvSpPr>
-          <p:cNvPr id="11" name="Shape 7"/>
+          <p:cNvPr id="13" name="Shape 7"/>
           <p:cNvSpPr/>
           <p:nvPr userDrawn="1"/>
         </p:nvSpPr>
@@ -1961,63 +1985,17 @@
                 <a:cs typeface="Avenir Light"/>
                 <a:sym typeface="Calibri"/>
               </a:rPr>
-              <a:t>To view a copy of this license, visit </a:t>
-            </a:r>
-            <a:r>
-              <a:rPr sz="600" dirty="0">
-                <a:latin typeface="Avenir Light"/>
-                <a:ea typeface="Calibri"/>
-                <a:cs typeface="Avenir Light"/>
-                <a:sym typeface="Calibri"/>
-                <a:hlinkClick r:id="rId4"/>
-              </a:rPr>
-              <a:t>http://creativecommons.org/licenses/by-nc-nd/4.0/</a:t>
-            </a:r>
-            <a:r>
-              <a:rPr sz="600" dirty="0">
-                <a:latin typeface="Avenir Light"/>
-                <a:ea typeface="Calibri"/>
-                <a:cs typeface="Avenir Light"/>
-                <a:sym typeface="Calibri"/>
-              </a:rPr>
-              <a:t>.</a:t>
+              <a:t>To view a copy of this license, visit http://creativecommons.org/licenses/by-nc-nd/4.0/.</a:t>
             </a:r>
           </a:p>
         </p:txBody>
       </p:sp>
-      <p:pic>
-        <p:nvPicPr>
-          <p:cNvPr id="12" name="pasted-image.tif"/>
-          <p:cNvPicPr/>
-          <p:nvPr userDrawn="1"/>
-        </p:nvPicPr>
-        <p:blipFill>
-          <a:blip r:embed="rId5">
-            <a:extLst/>
-          </a:blip>
-          <a:stretch>
-            <a:fillRect/>
-          </a:stretch>
-        </p:blipFill>
-        <p:spPr>
-          <a:xfrm>
-            <a:off x="6174185" y="4992838"/>
-            <a:ext cx="886619" cy="214128"/>
-          </a:xfrm>
-          <a:prstGeom prst="rect">
-            <a:avLst/>
-          </a:prstGeom>
-          <a:ln w="12700">
-            <a:miter lim="400000"/>
-          </a:ln>
-        </p:spPr>
-      </p:pic>
     </p:spTree>
   </p:cSld>
   <p:clrMapOvr>
     <a:masterClrMapping/>
   </p:clrMapOvr>
-  <p:transition xmlns:p14="http://schemas.microsoft.com/office/powerpoint/2010/main" spd="med"/>
+  <p:transition spd="med"/>
 </p:sldLayout>
 </file>
 
@@ -2637,7 +2615,7 @@
                 <a:latin typeface="Avenir Light"/>
                 <a:cs typeface="Avenir Light"/>
               </a:rPr>
-              <a:t>26.10.15</a:t>
+              <a:t>03.12.15</a:t>
             </a:fld>
             <a:endParaRPr lang="de-DE" sz="600" dirty="0">
               <a:solidFill>
@@ -2646,83 +2624,6 @@
               <a:latin typeface="Avenir Light"/>
               <a:cs typeface="Avenir Light"/>
             </a:endParaRPr>
-          </a:p>
-        </p:txBody>
-      </p:sp>
-      <p:sp>
-        <p:nvSpPr>
-          <p:cNvPr id="11" name="Shape 7"/>
-          <p:cNvSpPr/>
-          <p:nvPr userDrawn="1"/>
-        </p:nvSpPr>
-        <p:spPr>
-          <a:xfrm>
-            <a:off x="1619767" y="4952581"/>
-            <a:ext cx="4164935" cy="276995"/>
-          </a:xfrm>
-          <a:prstGeom prst="rect">
-            <a:avLst/>
-          </a:prstGeom>
-          <a:ln w="12700">
-            <a:miter lim="400000"/>
-          </a:ln>
-          <a:extLst>
-            <a:ext uri="{C572A759-6A51-4108-AA02-DFA0A04FC94B}">
-              <ma14:wrappingTextBoxFlag xmlns:ma14="http://schemas.microsoft.com/office/mac/drawingml/2011/main" val="1"/>
-            </a:ext>
-          </a:extLst>
-        </p:spPr>
-        <p:txBody>
-          <a:bodyPr wrap="none" lIns="45718" tIns="45718" rIns="45718" bIns="45718">
-            <a:spAutoFit/>
-          </a:bodyPr>
-          <a:lstStyle/>
-          <a:p>
-            <a:pPr lvl="0" algn="ctr">
-              <a:defRPr sz="1800"/>
-            </a:pPr>
-            <a:r>
-              <a:rPr sz="600" dirty="0">
-                <a:latin typeface="Avenir Light"/>
-                <a:ea typeface="Calibri"/>
-                <a:cs typeface="Avenir Light"/>
-                <a:sym typeface="Calibri"/>
-              </a:rPr>
-              <a:t>This work is licensed under the Creative Commons Attribution-NonCommercial-NoDerivatives 4.0 International License. </a:t>
-            </a:r>
-          </a:p>
-          <a:p>
-            <a:pPr lvl="0" algn="ctr">
-              <a:defRPr sz="1800"/>
-            </a:pPr>
-            <a:r>
-              <a:rPr sz="600" dirty="0">
-                <a:latin typeface="Avenir Light"/>
-                <a:ea typeface="Calibri"/>
-                <a:cs typeface="Avenir Light"/>
-                <a:sym typeface="Calibri"/>
-              </a:rPr>
-              <a:t>To view a copy of this license, visit </a:t>
-            </a:r>
-            <a:r>
-              <a:rPr sz="600" dirty="0">
-                <a:latin typeface="Avenir Light"/>
-                <a:ea typeface="Calibri"/>
-                <a:cs typeface="Avenir Light"/>
-                <a:sym typeface="Calibri"/>
-                <a:hlinkClick r:id="rId3"/>
-              </a:rPr>
-              <a:t>http://creativecommons.org/licenses/by-nc-nd/4.0/</a:t>
-            </a:r>
-            <a:r>
-              <a:rPr sz="600" dirty="0">
-                <a:latin typeface="Avenir Light"/>
-                <a:ea typeface="Calibri"/>
-                <a:cs typeface="Avenir Light"/>
-                <a:sym typeface="Calibri"/>
-              </a:rPr>
-              <a:t>.</a:t>
-            </a:r>
           </a:p>
         </p:txBody>
       </p:sp>
@@ -2733,7 +2634,7 @@
           <p:nvPr userDrawn="1"/>
         </p:nvPicPr>
         <p:blipFill>
-          <a:blip r:embed="rId4">
+          <a:blip r:embed="rId3">
             <a:extLst/>
           </a:blip>
           <a:stretch>
@@ -2762,7 +2663,7 @@
           <p:nvPr userDrawn="1"/>
         </p:nvPicPr>
         <p:blipFill>
-          <a:blip r:embed="rId5">
+          <a:blip r:embed="rId4">
             <a:extLst>
               <a:ext uri="{28A0092B-C50C-407E-A947-70E740481C1C}">
                 <a14:useLocalDpi xmlns:a14="http://schemas.microsoft.com/office/drawing/2010/main" val="0"/>
@@ -2783,12 +2684,70 @@
           </a:prstGeom>
         </p:spPr>
       </p:pic>
+      <p:sp>
+        <p:nvSpPr>
+          <p:cNvPr id="13" name="Shape 7"/>
+          <p:cNvSpPr/>
+          <p:nvPr userDrawn="1"/>
+        </p:nvSpPr>
+        <p:spPr>
+          <a:xfrm>
+            <a:off x="1619767" y="4952581"/>
+            <a:ext cx="4164935" cy="276995"/>
+          </a:xfrm>
+          <a:prstGeom prst="rect">
+            <a:avLst/>
+          </a:prstGeom>
+          <a:ln w="12700">
+            <a:miter lim="400000"/>
+          </a:ln>
+          <a:extLst>
+            <a:ext uri="{C572A759-6A51-4108-AA02-DFA0A04FC94B}">
+              <ma14:wrappingTextBoxFlag xmlns:ma14="http://schemas.microsoft.com/office/mac/drawingml/2011/main" val="1"/>
+            </a:ext>
+          </a:extLst>
+        </p:spPr>
+        <p:txBody>
+          <a:bodyPr wrap="none" lIns="45718" tIns="45718" rIns="45718" bIns="45718">
+            <a:spAutoFit/>
+          </a:bodyPr>
+          <a:lstStyle/>
+          <a:p>
+            <a:pPr lvl="0" algn="ctr">
+              <a:defRPr sz="1800"/>
+            </a:pPr>
+            <a:r>
+              <a:rPr sz="600" dirty="0">
+                <a:latin typeface="Avenir Light"/>
+                <a:ea typeface="Calibri"/>
+                <a:cs typeface="Avenir Light"/>
+                <a:sym typeface="Calibri"/>
+              </a:rPr>
+              <a:t>This work is licensed under the Creative Commons Attribution-NonCommercial-NoDerivatives 4.0 International License. </a:t>
+            </a:r>
+          </a:p>
+          <a:p>
+            <a:pPr lvl="0" algn="ctr">
+              <a:defRPr sz="1800"/>
+            </a:pPr>
+            <a:r>
+              <a:rPr sz="600" dirty="0">
+                <a:latin typeface="Avenir Light"/>
+                <a:ea typeface="Calibri"/>
+                <a:cs typeface="Avenir Light"/>
+                <a:sym typeface="Calibri"/>
+              </a:rPr>
+              <a:t>To view a copy of this license, visit http://creativecommons.org/licenses/by-nc-nd/4.0/.</a:t>
+            </a:r>
+          </a:p>
+        </p:txBody>
+      </p:sp>
     </p:spTree>
   </p:cSld>
   <p:clrMapOvr>
     <a:masterClrMapping/>
   </p:clrMapOvr>
-  <p:transition xmlns:p14="http://schemas.microsoft.com/office/powerpoint/2010/main" spd="med"/>
+  <p:transition spd="med"/>
 </p:sldLayout>
 </file>
 
@@ -3399,7 +3358,7 @@
     <p:sldLayoutId id="2147483651" r:id="rId3"/>
     <p:sldLayoutId id="2147483652" r:id="rId4"/>
   </p:sldLayoutIdLst>
-  <p:transition xmlns:p14="http://schemas.microsoft.com/office/powerpoint/2010/main" spd="med"/>
+  <p:transition spd="med"/>
   <p:txStyles>
     <p:titleStyle>
       <a:lvl1pPr defTabSz="403387" eaLnBrk="1" hangingPunct="1">
@@ -4028,7 +3987,7 @@
   <p:clrMapOvr>
     <a:masterClrMapping/>
   </p:clrMapOvr>
-  <p:transition xmlns:p14="http://schemas.microsoft.com/office/powerpoint/2010/main" spd="med"/>
+  <p:transition spd="med"/>
 </p:sld>
 </file>
 
@@ -4107,7 +4066,19 @@
           <a:p>
             <a:r>
               <a:rPr lang="de-DE" sz="1100" dirty="0" smtClean="0"/>
-              <a:t>Gliedere auf diese Weise 4 Texte in 2 Wochen</a:t>
+              <a:t>Gliedere auf diese Weise 4 </a:t>
+            </a:r>
+            <a:r>
+              <a:rPr lang="de-DE" sz="1100" dirty="0" smtClean="0"/>
+              <a:t>Texte bzw. </a:t>
+            </a:r>
+            <a:r>
+              <a:rPr lang="de-DE" sz="1100" smtClean="0"/>
+              <a:t>Kernaussagen </a:t>
+            </a:r>
+            <a:r>
+              <a:rPr lang="de-DE" sz="1100" dirty="0" smtClean="0"/>
+              <a:t>in 2 Wochen</a:t>
             </a:r>
           </a:p>
           <a:p>
@@ -4123,7 +4094,7 @@
   <p:clrMapOvr>
     <a:masterClrMapping/>
   </p:clrMapOvr>
-  <p:transition xmlns:p14="http://schemas.microsoft.com/office/powerpoint/2010/main" spd="med"/>
+  <p:transition spd="med"/>
 </p:sld>
 </file>
 
